--- a/AIDI all solutions/MIC at Bruce County/Thoughts.pptx
+++ b/AIDI all solutions/MIC at Bruce County/Thoughts.pptx
@@ -6,6 +6,11 @@
   </p:sldMasterIdLst>
   <p:sldIdLst>
     <p:sldId id="256" r:id="rId2"/>
+    <p:sldId id="257" r:id="rId3"/>
+    <p:sldId id="258" r:id="rId4"/>
+    <p:sldId id="260" r:id="rId5"/>
+    <p:sldId id="259" r:id="rId6"/>
+    <p:sldId id="261" r:id="rId7"/>
   </p:sldIdLst>
   <p:sldSz cx="12192000" cy="6858000"/>
   <p:notesSz cx="6858000" cy="9144000"/>
@@ -104,6 +109,11 @@
       </a:defRPr>
     </a:lvl9pPr>
   </p:defaultTextStyle>
+  <p:extLst>
+    <p:ext uri="{EFAFB233-063F-42B5-8137-9DF3F51BA10A}">
+      <p15:sldGuideLst xmlns:p15="http://schemas.microsoft.com/office/powerpoint/2012/main"/>
+    </p:ext>
+  </p:extLst>
 </p:presentation>
 </file>
 
@@ -256,7 +266,7 @@
           <a:p>
             <a:fld id="{F5A6A909-DCD7-D440-9C87-2CC57BE540A7}" type="datetimeFigureOut">
               <a:rPr lang="en-CN" smtClean="0"/>
-              <a:t>2023/1/12</a:t>
+              <a:t>2023/1/19</a:t>
             </a:fld>
             <a:endParaRPr lang="en-CN"/>
           </a:p>
@@ -456,7 +466,7 @@
           <a:p>
             <a:fld id="{F5A6A909-DCD7-D440-9C87-2CC57BE540A7}" type="datetimeFigureOut">
               <a:rPr lang="en-CN" smtClean="0"/>
-              <a:t>2023/1/12</a:t>
+              <a:t>2023/1/19</a:t>
             </a:fld>
             <a:endParaRPr lang="en-CN"/>
           </a:p>
@@ -666,7 +676,7 @@
           <a:p>
             <a:fld id="{F5A6A909-DCD7-D440-9C87-2CC57BE540A7}" type="datetimeFigureOut">
               <a:rPr lang="en-CN" smtClean="0"/>
-              <a:t>2023/1/12</a:t>
+              <a:t>2023/1/19</a:t>
             </a:fld>
             <a:endParaRPr lang="en-CN"/>
           </a:p>
@@ -866,7 +876,7 @@
           <a:p>
             <a:fld id="{F5A6A909-DCD7-D440-9C87-2CC57BE540A7}" type="datetimeFigureOut">
               <a:rPr lang="en-CN" smtClean="0"/>
-              <a:t>2023/1/12</a:t>
+              <a:t>2023/1/19</a:t>
             </a:fld>
             <a:endParaRPr lang="en-CN"/>
           </a:p>
@@ -1142,7 +1152,7 @@
           <a:p>
             <a:fld id="{F5A6A909-DCD7-D440-9C87-2CC57BE540A7}" type="datetimeFigureOut">
               <a:rPr lang="en-CN" smtClean="0"/>
-              <a:t>2023/1/12</a:t>
+              <a:t>2023/1/19</a:t>
             </a:fld>
             <a:endParaRPr lang="en-CN"/>
           </a:p>
@@ -1410,7 +1420,7 @@
           <a:p>
             <a:fld id="{F5A6A909-DCD7-D440-9C87-2CC57BE540A7}" type="datetimeFigureOut">
               <a:rPr lang="en-CN" smtClean="0"/>
-              <a:t>2023/1/12</a:t>
+              <a:t>2023/1/19</a:t>
             </a:fld>
             <a:endParaRPr lang="en-CN"/>
           </a:p>
@@ -1825,7 +1835,7 @@
           <a:p>
             <a:fld id="{F5A6A909-DCD7-D440-9C87-2CC57BE540A7}" type="datetimeFigureOut">
               <a:rPr lang="en-CN" smtClean="0"/>
-              <a:t>2023/1/12</a:t>
+              <a:t>2023/1/19</a:t>
             </a:fld>
             <a:endParaRPr lang="en-CN"/>
           </a:p>
@@ -1967,7 +1977,7 @@
           <a:p>
             <a:fld id="{F5A6A909-DCD7-D440-9C87-2CC57BE540A7}" type="datetimeFigureOut">
               <a:rPr lang="en-CN" smtClean="0"/>
-              <a:t>2023/1/12</a:t>
+              <a:t>2023/1/19</a:t>
             </a:fld>
             <a:endParaRPr lang="en-CN"/>
           </a:p>
@@ -2080,7 +2090,7 @@
           <a:p>
             <a:fld id="{F5A6A909-DCD7-D440-9C87-2CC57BE540A7}" type="datetimeFigureOut">
               <a:rPr lang="en-CN" smtClean="0"/>
-              <a:t>2023/1/12</a:t>
+              <a:t>2023/1/19</a:t>
             </a:fld>
             <a:endParaRPr lang="en-CN"/>
           </a:p>
@@ -2393,7 +2403,7 @@
           <a:p>
             <a:fld id="{F5A6A909-DCD7-D440-9C87-2CC57BE540A7}" type="datetimeFigureOut">
               <a:rPr lang="en-CN" smtClean="0"/>
-              <a:t>2023/1/12</a:t>
+              <a:t>2023/1/19</a:t>
             </a:fld>
             <a:endParaRPr lang="en-CN"/>
           </a:p>
@@ -2682,7 +2692,7 @@
           <a:p>
             <a:fld id="{F5A6A909-DCD7-D440-9C87-2CC57BE540A7}" type="datetimeFigureOut">
               <a:rPr lang="en-CN" smtClean="0"/>
-              <a:t>2023/1/12</a:t>
+              <a:t>2023/1/19</a:t>
             </a:fld>
             <a:endParaRPr lang="en-CN"/>
           </a:p>
@@ -2925,7 +2935,7 @@
           <a:p>
             <a:fld id="{F5A6A909-DCD7-D440-9C87-2CC57BE540A7}" type="datetimeFigureOut">
               <a:rPr lang="en-CN" smtClean="0"/>
-              <a:t>2023/1/12</a:t>
+              <a:t>2023/1/19</a:t>
             </a:fld>
             <a:endParaRPr lang="en-CN"/>
           </a:p>
@@ -3360,10 +3370,32 @@
         </p:nvSpPr>
         <p:spPr/>
         <p:txBody>
-          <a:bodyPr/>
-          <a:lstStyle/>
-          <a:p>
-            <a:endParaRPr lang="en-CN"/>
+          <a:bodyPr>
+            <a:normAutofit/>
+          </a:bodyPr>
+          <a:lstStyle/>
+          <a:p>
+            <a:r>
+              <a:rPr lang="en-US" altLang="zh-CN" dirty="0"/>
+              <a:t>Brainstorm</a:t>
+            </a:r>
+            <a:r>
+              <a:rPr lang="zh-CN" altLang="en-US" dirty="0"/>
+              <a:t> </a:t>
+            </a:r>
+            <a:r>
+              <a:rPr lang="en-US" altLang="zh-CN" dirty="0"/>
+              <a:t>and</a:t>
+            </a:r>
+            <a:r>
+              <a:rPr lang="zh-CN" altLang="en-US" dirty="0"/>
+              <a:t> </a:t>
+            </a:r>
+            <a:r>
+              <a:rPr lang="en-US" altLang="zh-CN" dirty="0"/>
+              <a:t>immaturity thinking</a:t>
+            </a:r>
+            <a:endParaRPr lang="en-CN" dirty="0"/>
           </a:p>
         </p:txBody>
       </p:sp>
@@ -3388,7 +3420,19 @@
           <a:bodyPr/>
           <a:lstStyle/>
           <a:p>
-            <a:endParaRPr lang="en-CN"/>
+            <a:r>
+              <a:rPr lang="en-CN" dirty="0"/>
+              <a:t>Fangji</a:t>
+            </a:r>
+            <a:r>
+              <a:rPr lang="zh-CN" altLang="en-US" dirty="0"/>
+              <a:t> </a:t>
+            </a:r>
+            <a:r>
+              <a:rPr lang="en-US" altLang="zh-CN" dirty="0"/>
+              <a:t>Chen</a:t>
+            </a:r>
+            <a:endParaRPr lang="en-CN" dirty="0"/>
           </a:p>
         </p:txBody>
       </p:sp>
@@ -3396,6 +3440,929 @@
     <p:extLst>
       <p:ext uri="{BB962C8B-B14F-4D97-AF65-F5344CB8AC3E}">
         <p14:creationId xmlns:p14="http://schemas.microsoft.com/office/powerpoint/2010/main" val="3536527395"/>
+      </p:ext>
+    </p:extLst>
+  </p:cSld>
+  <p:clrMapOvr>
+    <a:masterClrMapping/>
+  </p:clrMapOvr>
+</p:sld>
+</file>
+
+<file path=ppt/slides/slide2.xml><?xml version="1.0" encoding="utf-8"?>
+<p:sld xmlns:a="http://schemas.openxmlformats.org/drawingml/2006/main" xmlns:r="http://schemas.openxmlformats.org/officeDocument/2006/relationships" xmlns:p="http://schemas.openxmlformats.org/presentationml/2006/main">
+  <p:cSld>
+    <p:spTree>
+      <p:nvGrpSpPr>
+        <p:cNvPr id="1" name=""/>
+        <p:cNvGrpSpPr/>
+        <p:nvPr/>
+      </p:nvGrpSpPr>
+      <p:grpSpPr>
+        <a:xfrm>
+          <a:off x="0" y="0"/>
+          <a:ext cx="0" cy="0"/>
+          <a:chOff x="0" y="0"/>
+          <a:chExt cx="0" cy="0"/>
+        </a:xfrm>
+      </p:grpSpPr>
+      <p:sp>
+        <p:nvSpPr>
+          <p:cNvPr id="2" name="Title 1">
+            <a:extLst>
+              <a:ext uri="{FF2B5EF4-FFF2-40B4-BE49-F238E27FC236}">
+                <a16:creationId xmlns:a16="http://schemas.microsoft.com/office/drawing/2014/main" id="{28BA8F7F-E670-18DA-3838-DC7E1BF81176}"/>
+              </a:ext>
+            </a:extLst>
+          </p:cNvPr>
+          <p:cNvSpPr>
+            <a:spLocks noGrp="1"/>
+          </p:cNvSpPr>
+          <p:nvPr>
+            <p:ph type="title"/>
+          </p:nvPr>
+        </p:nvSpPr>
+        <p:spPr>
+          <a:xfrm>
+            <a:off x="838200" y="365125"/>
+            <a:ext cx="5705475" cy="1305439"/>
+          </a:xfrm>
+        </p:spPr>
+        <p:txBody>
+          <a:bodyPr/>
+          <a:lstStyle/>
+          <a:p>
+            <a:r>
+              <a:rPr lang="en-US" dirty="0"/>
+              <a:t>Coastal Submarine topography</a:t>
+            </a:r>
+            <a:endParaRPr lang="en-CN" dirty="0"/>
+          </a:p>
+        </p:txBody>
+      </p:sp>
+      <p:sp>
+        <p:nvSpPr>
+          <p:cNvPr id="3" name="Content Placeholder 2">
+            <a:extLst>
+              <a:ext uri="{FF2B5EF4-FFF2-40B4-BE49-F238E27FC236}">
+                <a16:creationId xmlns:a16="http://schemas.microsoft.com/office/drawing/2014/main" id="{C8CCE470-770C-B0A1-CC3E-B2F65ED0E452}"/>
+              </a:ext>
+            </a:extLst>
+          </p:cNvPr>
+          <p:cNvSpPr>
+            <a:spLocks noGrp="1"/>
+          </p:cNvSpPr>
+          <p:nvPr>
+            <p:ph idx="1"/>
+          </p:nvPr>
+        </p:nvSpPr>
+        <p:spPr>
+          <a:xfrm>
+            <a:off x="838200" y="1825625"/>
+            <a:ext cx="5705475" cy="1813439"/>
+          </a:xfrm>
+        </p:spPr>
+        <p:txBody>
+          <a:bodyPr>
+            <a:normAutofit fontScale="70000" lnSpcReduction="20000"/>
+          </a:bodyPr>
+          <a:lstStyle/>
+          <a:p>
+            <a:r>
+              <a:rPr lang="en-US" altLang="zh-CN" dirty="0"/>
+              <a:t>previous</a:t>
+            </a:r>
+            <a:r>
+              <a:rPr lang="zh-CN" altLang="en-US" dirty="0"/>
+              <a:t> </a:t>
+            </a:r>
+            <a:r>
+              <a:rPr lang="en-US" altLang="zh-CN" dirty="0"/>
+              <a:t>knowledge:</a:t>
+            </a:r>
+            <a:r>
+              <a:rPr lang="zh-CN" altLang="en-US" dirty="0"/>
+              <a:t> </a:t>
+            </a:r>
+            <a:r>
+              <a:rPr lang="en-US" altLang="zh-CN" dirty="0"/>
+              <a:t>based</a:t>
+            </a:r>
+            <a:r>
+              <a:rPr lang="zh-CN" altLang="en-US" dirty="0"/>
+              <a:t> </a:t>
+            </a:r>
+            <a:r>
+              <a:rPr lang="en-US" altLang="zh-CN" dirty="0"/>
+              <a:t>on</a:t>
+            </a:r>
+            <a:r>
+              <a:rPr lang="zh-CN" altLang="en-US" dirty="0"/>
+              <a:t> </a:t>
+            </a:r>
+            <a:r>
+              <a:rPr lang="en-US" altLang="zh-CN" dirty="0"/>
+              <a:t>the</a:t>
+            </a:r>
+            <a:r>
+              <a:rPr lang="zh-CN" altLang="en-US" dirty="0"/>
+              <a:t> </a:t>
+            </a:r>
+            <a:r>
+              <a:rPr lang="en-US" dirty="0"/>
+              <a:t>topography</a:t>
+            </a:r>
+            <a:r>
+              <a:rPr lang="en-US" altLang="zh-CN" dirty="0"/>
+              <a:t>,</a:t>
+            </a:r>
+            <a:r>
+              <a:rPr lang="zh-CN" altLang="en-US" dirty="0"/>
+              <a:t> </a:t>
+            </a:r>
+            <a:r>
+              <a:rPr lang="en-US" altLang="zh-CN" dirty="0"/>
+              <a:t>we</a:t>
+            </a:r>
+            <a:r>
+              <a:rPr lang="zh-CN" altLang="en-US" dirty="0"/>
+              <a:t> </a:t>
+            </a:r>
+            <a:r>
+              <a:rPr lang="en-US" altLang="zh-CN" dirty="0"/>
+              <a:t>should</a:t>
+            </a:r>
+            <a:r>
+              <a:rPr lang="zh-CN" altLang="en-US" dirty="0"/>
+              <a:t> </a:t>
+            </a:r>
+            <a:r>
+              <a:rPr lang="en-US" altLang="zh-CN" dirty="0"/>
+              <a:t>get prior knowledge about the answer of where is possibly safe or not.</a:t>
+            </a:r>
+          </a:p>
+          <a:p>
+            <a:r>
+              <a:rPr lang="en-US" altLang="zh-CN" dirty="0"/>
+              <a:t>For example, I think it is more reasonable occur a rip current at the yellow arrow(not proved)</a:t>
+            </a:r>
+          </a:p>
+          <a:p>
+            <a:r>
+              <a:rPr lang="en-US" altLang="zh-CN" dirty="0"/>
+              <a:t>Based on this, there could be a 	</a:t>
+            </a:r>
+          </a:p>
+          <a:p>
+            <a:endParaRPr lang="en-US" altLang="zh-CN" dirty="0"/>
+          </a:p>
+          <a:p>
+            <a:pPr lvl="1"/>
+            <a:endParaRPr lang="en-CN" dirty="0"/>
+          </a:p>
+        </p:txBody>
+      </p:sp>
+      <p:pic>
+        <p:nvPicPr>
+          <p:cNvPr id="1030" name="Picture 6" descr="Swath Bathymetry | U.S. Geological Survey">
+            <a:extLst>
+              <a:ext uri="{FF2B5EF4-FFF2-40B4-BE49-F238E27FC236}">
+                <a16:creationId xmlns:a16="http://schemas.microsoft.com/office/drawing/2014/main" id="{F88FB0B4-1291-B1D1-9CA8-95651551FC84}"/>
+              </a:ext>
+            </a:extLst>
+          </p:cNvPr>
+          <p:cNvPicPr>
+            <a:picLocks noChangeAspect="1" noChangeArrowheads="1"/>
+          </p:cNvPicPr>
+          <p:nvPr/>
+        </p:nvPicPr>
+        <p:blipFill>
+          <a:blip r:embed="rId2">
+            <a:extLst>
+              <a:ext uri="{28A0092B-C50C-407E-A947-70E740481C1C}">
+                <a14:useLocalDpi xmlns:a14="http://schemas.microsoft.com/office/drawing/2010/main" val="0"/>
+              </a:ext>
+            </a:extLst>
+          </a:blip>
+          <a:srcRect/>
+          <a:stretch>
+            <a:fillRect/>
+          </a:stretch>
+        </p:blipFill>
+        <p:spPr bwMode="auto">
+          <a:xfrm>
+            <a:off x="6543675" y="0"/>
+            <a:ext cx="5648325" cy="6858000"/>
+          </a:xfrm>
+          <a:prstGeom prst="rect">
+            <a:avLst/>
+          </a:prstGeom>
+          <a:noFill/>
+          <a:extLst>
+            <a:ext uri="{909E8E84-426E-40DD-AFC4-6F175D3DCCD1}">
+              <a14:hiddenFill xmlns:a14="http://schemas.microsoft.com/office/drawing/2010/main">
+                <a:solidFill>
+                  <a:srgbClr val="FFFFFF"/>
+                </a:solidFill>
+              </a14:hiddenFill>
+            </a:ext>
+          </a:extLst>
+        </p:spPr>
+      </p:pic>
+      <p:pic>
+        <p:nvPicPr>
+          <p:cNvPr id="6" name="Picture 5">
+            <a:extLst>
+              <a:ext uri="{FF2B5EF4-FFF2-40B4-BE49-F238E27FC236}">
+                <a16:creationId xmlns:a16="http://schemas.microsoft.com/office/drawing/2014/main" id="{F8DDDED1-A64C-1952-1AE9-DE00D94C3B3F}"/>
+              </a:ext>
+            </a:extLst>
+          </p:cNvPr>
+          <p:cNvPicPr>
+            <a:picLocks noChangeAspect="1"/>
+          </p:cNvPicPr>
+          <p:nvPr/>
+        </p:nvPicPr>
+        <p:blipFill>
+          <a:blip r:embed="rId3"/>
+          <a:stretch>
+            <a:fillRect/>
+          </a:stretch>
+        </p:blipFill>
+        <p:spPr>
+          <a:xfrm>
+            <a:off x="2606675" y="3794125"/>
+            <a:ext cx="3937000" cy="2895600"/>
+          </a:xfrm>
+          <a:prstGeom prst="rect">
+            <a:avLst/>
+          </a:prstGeom>
+        </p:spPr>
+      </p:pic>
+    </p:spTree>
+    <p:extLst>
+      <p:ext uri="{BB962C8B-B14F-4D97-AF65-F5344CB8AC3E}">
+        <p14:creationId xmlns:p14="http://schemas.microsoft.com/office/powerpoint/2010/main" val="3531177421"/>
+      </p:ext>
+    </p:extLst>
+  </p:cSld>
+  <p:clrMapOvr>
+    <a:masterClrMapping/>
+  </p:clrMapOvr>
+</p:sld>
+</file>
+
+<file path=ppt/slides/slide3.xml><?xml version="1.0" encoding="utf-8"?>
+<p:sld xmlns:a="http://schemas.openxmlformats.org/drawingml/2006/main" xmlns:r="http://schemas.openxmlformats.org/officeDocument/2006/relationships" xmlns:p="http://schemas.openxmlformats.org/presentationml/2006/main">
+  <p:cSld>
+    <p:spTree>
+      <p:nvGrpSpPr>
+        <p:cNvPr id="1" name=""/>
+        <p:cNvGrpSpPr/>
+        <p:nvPr/>
+      </p:nvGrpSpPr>
+      <p:grpSpPr>
+        <a:xfrm>
+          <a:off x="0" y="0"/>
+          <a:ext cx="0" cy="0"/>
+          <a:chOff x="0" y="0"/>
+          <a:chExt cx="0" cy="0"/>
+        </a:xfrm>
+      </p:grpSpPr>
+      <p:sp>
+        <p:nvSpPr>
+          <p:cNvPr id="2" name="Title 1">
+            <a:extLst>
+              <a:ext uri="{FF2B5EF4-FFF2-40B4-BE49-F238E27FC236}">
+                <a16:creationId xmlns:a16="http://schemas.microsoft.com/office/drawing/2014/main" id="{90CCEF67-90CA-D436-F4DE-57038F3D85B3}"/>
+              </a:ext>
+            </a:extLst>
+          </p:cNvPr>
+          <p:cNvSpPr>
+            <a:spLocks noGrp="1"/>
+          </p:cNvSpPr>
+          <p:nvPr>
+            <p:ph type="title"/>
+          </p:nvPr>
+        </p:nvSpPr>
+        <p:spPr/>
+        <p:txBody>
+          <a:bodyPr/>
+          <a:lstStyle/>
+          <a:p>
+            <a:r>
+              <a:rPr lang="en-US" dirty="0"/>
+              <a:t>Got the pattern sequence to the rip current</a:t>
+            </a:r>
+            <a:endParaRPr lang="en-CN" dirty="0"/>
+          </a:p>
+        </p:txBody>
+      </p:sp>
+      <p:sp>
+        <p:nvSpPr>
+          <p:cNvPr id="3" name="Content Placeholder 2">
+            <a:extLst>
+              <a:ext uri="{FF2B5EF4-FFF2-40B4-BE49-F238E27FC236}">
+                <a16:creationId xmlns:a16="http://schemas.microsoft.com/office/drawing/2014/main" id="{F4DED380-E6F5-1E72-43FF-C4A9BF13EEDB}"/>
+              </a:ext>
+            </a:extLst>
+          </p:cNvPr>
+          <p:cNvSpPr>
+            <a:spLocks noGrp="1"/>
+          </p:cNvSpPr>
+          <p:nvPr>
+            <p:ph idx="1"/>
+          </p:nvPr>
+        </p:nvSpPr>
+        <p:spPr/>
+        <p:txBody>
+          <a:bodyPr/>
+          <a:lstStyle/>
+          <a:p>
+            <a:endParaRPr lang="en-CN" dirty="0"/>
+          </a:p>
+        </p:txBody>
+      </p:sp>
+    </p:spTree>
+    <p:extLst>
+      <p:ext uri="{BB962C8B-B14F-4D97-AF65-F5344CB8AC3E}">
+        <p14:creationId xmlns:p14="http://schemas.microsoft.com/office/powerpoint/2010/main" val="4022029922"/>
+      </p:ext>
+    </p:extLst>
+  </p:cSld>
+  <p:clrMapOvr>
+    <a:masterClrMapping/>
+  </p:clrMapOvr>
+</p:sld>
+</file>
+
+<file path=ppt/slides/slide4.xml><?xml version="1.0" encoding="utf-8"?>
+<p:sld xmlns:a="http://schemas.openxmlformats.org/drawingml/2006/main" xmlns:r="http://schemas.openxmlformats.org/officeDocument/2006/relationships" xmlns:p="http://schemas.openxmlformats.org/presentationml/2006/main">
+  <p:cSld>
+    <p:spTree>
+      <p:nvGrpSpPr>
+        <p:cNvPr id="1" name=""/>
+        <p:cNvGrpSpPr/>
+        <p:nvPr/>
+      </p:nvGrpSpPr>
+      <p:grpSpPr>
+        <a:xfrm>
+          <a:off x="0" y="0"/>
+          <a:ext cx="0" cy="0"/>
+          <a:chOff x="0" y="0"/>
+          <a:chExt cx="0" cy="0"/>
+        </a:xfrm>
+      </p:grpSpPr>
+      <p:sp>
+        <p:nvSpPr>
+          <p:cNvPr id="2" name="Title 1">
+            <a:extLst>
+              <a:ext uri="{FF2B5EF4-FFF2-40B4-BE49-F238E27FC236}">
+                <a16:creationId xmlns:a16="http://schemas.microsoft.com/office/drawing/2014/main" id="{D6FC1E1D-464B-F878-B635-B078D482B507}"/>
+              </a:ext>
+            </a:extLst>
+          </p:cNvPr>
+          <p:cNvSpPr>
+            <a:spLocks noGrp="1"/>
+          </p:cNvSpPr>
+          <p:nvPr>
+            <p:ph type="title"/>
+          </p:nvPr>
+        </p:nvSpPr>
+        <p:spPr/>
+        <p:txBody>
+          <a:bodyPr/>
+          <a:lstStyle/>
+          <a:p>
+            <a:r>
+              <a:rPr lang="en-US" altLang="zh-CN" dirty="0"/>
+              <a:t>Policy</a:t>
+            </a:r>
+            <a:r>
+              <a:rPr lang="zh-CN" altLang="en-US" dirty="0"/>
+              <a:t> </a:t>
+            </a:r>
+            <a:r>
+              <a:rPr lang="en-US" altLang="zh-CN" dirty="0"/>
+              <a:t>network:</a:t>
+            </a:r>
+            <a:r>
+              <a:rPr lang="zh-CN" altLang="en-US" dirty="0"/>
+              <a:t> </a:t>
+            </a:r>
+            <a:r>
+              <a:rPr lang="en-US" dirty="0"/>
+              <a:t>T</a:t>
+            </a:r>
+            <a:r>
+              <a:rPr lang="en-CN" dirty="0"/>
+              <a:t>ake actions based on the </a:t>
+            </a:r>
+            <a:r>
+              <a:rPr lang="en-US" altLang="zh-CN" dirty="0"/>
+              <a:t>statistical</a:t>
+            </a:r>
+            <a:r>
+              <a:rPr lang="en-CN" dirty="0"/>
+              <a:t> history</a:t>
+            </a:r>
+          </a:p>
+        </p:txBody>
+      </p:sp>
+      <p:sp>
+        <p:nvSpPr>
+          <p:cNvPr id="3" name="Content Placeholder 2">
+            <a:extLst>
+              <a:ext uri="{FF2B5EF4-FFF2-40B4-BE49-F238E27FC236}">
+                <a16:creationId xmlns:a16="http://schemas.microsoft.com/office/drawing/2014/main" id="{BD1F6811-D4FF-147B-ECED-65B9F0351BE1}"/>
+              </a:ext>
+            </a:extLst>
+          </p:cNvPr>
+          <p:cNvSpPr>
+            <a:spLocks noGrp="1"/>
+          </p:cNvSpPr>
+          <p:nvPr>
+            <p:ph idx="1"/>
+          </p:nvPr>
+        </p:nvSpPr>
+        <p:spPr/>
+        <p:txBody>
+          <a:bodyPr/>
+          <a:lstStyle/>
+          <a:p>
+            <a:r>
+              <a:rPr lang="en-US" dirty="0"/>
+              <a:t>Training to extract meaningful</a:t>
+            </a:r>
+            <a:r>
+              <a:rPr lang="en-CN" dirty="0"/>
+              <a:t> wave patterns, image</a:t>
+            </a:r>
+            <a:r>
+              <a:rPr lang="zh-CN" altLang="en-US" dirty="0"/>
+              <a:t> </a:t>
+            </a:r>
+            <a:r>
+              <a:rPr lang="en-US" altLang="zh-CN" dirty="0"/>
+              <a:t>grayscale,</a:t>
+            </a:r>
+            <a:r>
+              <a:rPr lang="zh-CN" altLang="en-US" dirty="0"/>
+              <a:t> </a:t>
+            </a:r>
+            <a:r>
+              <a:rPr lang="en-US" altLang="zh-CN" dirty="0"/>
+              <a:t>and</a:t>
+            </a:r>
+            <a:r>
+              <a:rPr lang="zh-CN" altLang="en-US" dirty="0"/>
+              <a:t> </a:t>
+            </a:r>
+            <a:r>
+              <a:rPr lang="en-US" altLang="zh-CN" dirty="0"/>
+              <a:t>color,</a:t>
+            </a:r>
+            <a:r>
+              <a:rPr lang="zh-CN" altLang="en-US" dirty="0"/>
+              <a:t> </a:t>
+            </a:r>
+            <a:r>
+              <a:rPr lang="en-US" altLang="zh-CN" dirty="0"/>
+              <a:t>temperature,</a:t>
+            </a:r>
+            <a:r>
+              <a:rPr lang="zh-CN" altLang="en-US" dirty="0"/>
+              <a:t> </a:t>
+            </a:r>
+            <a:r>
+              <a:rPr lang="en-US" altLang="zh-CN" dirty="0"/>
+              <a:t>wind,</a:t>
+            </a:r>
+            <a:r>
+              <a:rPr lang="zh-CN" altLang="en-US" dirty="0"/>
+              <a:t> </a:t>
+            </a:r>
+            <a:r>
+              <a:rPr lang="en-US" altLang="zh-CN" dirty="0"/>
+              <a:t>etc.</a:t>
+            </a:r>
+          </a:p>
+          <a:p>
+            <a:r>
+              <a:rPr lang="en-US" altLang="zh-CN" dirty="0"/>
+              <a:t>Build</a:t>
+            </a:r>
+            <a:r>
+              <a:rPr lang="zh-CN" altLang="en-US" dirty="0"/>
+              <a:t> </a:t>
+            </a:r>
+            <a:r>
+              <a:rPr lang="en-US" altLang="zh-CN" dirty="0"/>
+              <a:t>sequences</a:t>
+            </a:r>
+            <a:r>
+              <a:rPr lang="zh-CN" altLang="en-US" dirty="0"/>
+              <a:t> </a:t>
+            </a:r>
+            <a:r>
+              <a:rPr lang="en-US" altLang="zh-CN" dirty="0"/>
+              <a:t>of</a:t>
+            </a:r>
+            <a:r>
+              <a:rPr lang="zh-CN" altLang="en-US" dirty="0"/>
+              <a:t> </a:t>
+            </a:r>
+            <a:r>
+              <a:rPr lang="en-US" altLang="zh-CN" dirty="0"/>
+              <a:t>these</a:t>
+            </a:r>
+            <a:r>
+              <a:rPr lang="zh-CN" altLang="en-US" dirty="0"/>
+              <a:t> </a:t>
+            </a:r>
+            <a:r>
+              <a:rPr lang="en-US" altLang="zh-CN" dirty="0"/>
+              <a:t>patterns</a:t>
+            </a:r>
+            <a:r>
+              <a:rPr lang="zh-CN" altLang="en-US" dirty="0"/>
+              <a:t> </a:t>
+            </a:r>
+            <a:r>
+              <a:rPr lang="en-US" altLang="zh-CN" dirty="0"/>
+              <a:t>for</a:t>
+            </a:r>
+            <a:r>
+              <a:rPr lang="zh-CN" altLang="en-US" dirty="0"/>
+              <a:t> </a:t>
+            </a:r>
+            <a:r>
+              <a:rPr lang="en-US" altLang="zh-CN" dirty="0"/>
+              <a:t>each</a:t>
+            </a:r>
+            <a:r>
+              <a:rPr lang="zh-CN" altLang="en-US" dirty="0"/>
+              <a:t> </a:t>
+            </a:r>
+            <a:r>
+              <a:rPr lang="en-US" altLang="zh-CN" dirty="0"/>
+              <a:t>grid</a:t>
+            </a:r>
+            <a:r>
+              <a:rPr lang="zh-CN" altLang="en-US" dirty="0"/>
+              <a:t> </a:t>
+            </a:r>
+            <a:r>
+              <a:rPr lang="en-US" altLang="zh-CN" dirty="0"/>
+              <a:t>till</a:t>
+            </a:r>
+            <a:r>
+              <a:rPr lang="zh-CN" altLang="en-US" dirty="0"/>
+              <a:t> </a:t>
+            </a:r>
+            <a:r>
+              <a:rPr lang="en-US" altLang="zh-CN" dirty="0"/>
+              <a:t>the event</a:t>
+            </a:r>
+            <a:r>
+              <a:rPr lang="zh-CN" altLang="en-US" dirty="0"/>
+              <a:t> </a:t>
+            </a:r>
+            <a:r>
+              <a:rPr lang="en-US" altLang="zh-CN" dirty="0"/>
+              <a:t>of</a:t>
+            </a:r>
+            <a:r>
+              <a:rPr lang="zh-CN" altLang="en-US" dirty="0"/>
+              <a:t> </a:t>
+            </a:r>
+            <a:r>
+              <a:rPr lang="en-US" altLang="zh-CN" dirty="0"/>
+              <a:t>rip</a:t>
+            </a:r>
+            <a:r>
+              <a:rPr lang="zh-CN" altLang="en-US" dirty="0"/>
+              <a:t> </a:t>
+            </a:r>
+            <a:r>
+              <a:rPr lang="en-US" altLang="zh-CN" dirty="0"/>
+              <a:t>current</a:t>
+            </a:r>
+            <a:r>
+              <a:rPr lang="zh-CN" altLang="en-US" dirty="0"/>
+              <a:t> </a:t>
+            </a:r>
+            <a:r>
+              <a:rPr lang="en-US" altLang="zh-CN" dirty="0"/>
+              <a:t>happened.</a:t>
+            </a:r>
+          </a:p>
+          <a:p>
+            <a:endParaRPr lang="en-US" altLang="zh-CN" dirty="0"/>
+          </a:p>
+          <a:p>
+            <a:endParaRPr lang="en-CN" dirty="0"/>
+          </a:p>
+        </p:txBody>
+      </p:sp>
+      <p:pic>
+        <p:nvPicPr>
+          <p:cNvPr id="4" name="Picture 3">
+            <a:extLst>
+              <a:ext uri="{FF2B5EF4-FFF2-40B4-BE49-F238E27FC236}">
+                <a16:creationId xmlns:a16="http://schemas.microsoft.com/office/drawing/2014/main" id="{BE0E6AC9-2BFC-CF26-D368-2B2C0F229E48}"/>
+              </a:ext>
+            </a:extLst>
+          </p:cNvPr>
+          <p:cNvPicPr>
+            <a:picLocks noChangeAspect="1"/>
+          </p:cNvPicPr>
+          <p:nvPr/>
+        </p:nvPicPr>
+        <p:blipFill>
+          <a:blip r:embed="rId2"/>
+          <a:stretch>
+            <a:fillRect/>
+          </a:stretch>
+        </p:blipFill>
+        <p:spPr>
+          <a:xfrm>
+            <a:off x="5963531" y="3861994"/>
+            <a:ext cx="2315374" cy="1698364"/>
+          </a:xfrm>
+          <a:prstGeom prst="rect">
+            <a:avLst/>
+          </a:prstGeom>
+        </p:spPr>
+      </p:pic>
+      <p:pic>
+        <p:nvPicPr>
+          <p:cNvPr id="3074" name="Picture 2" descr="How to Escape Rip Currents | NOAA SciJinks – All About Weather">
+            <a:extLst>
+              <a:ext uri="{FF2B5EF4-FFF2-40B4-BE49-F238E27FC236}">
+                <a16:creationId xmlns:a16="http://schemas.microsoft.com/office/drawing/2014/main" id="{7F2AC6E5-5BE3-ABC5-6A04-85D1812D01E2}"/>
+              </a:ext>
+            </a:extLst>
+          </p:cNvPr>
+          <p:cNvPicPr>
+            <a:picLocks noChangeAspect="1" noChangeArrowheads="1"/>
+          </p:cNvPicPr>
+          <p:nvPr/>
+        </p:nvPicPr>
+        <p:blipFill>
+          <a:blip r:embed="rId3">
+            <a:extLst>
+              <a:ext uri="{28A0092B-C50C-407E-A947-70E740481C1C}">
+                <a14:useLocalDpi xmlns:a14="http://schemas.microsoft.com/office/drawing/2010/main" val="0"/>
+              </a:ext>
+            </a:extLst>
+          </a:blip>
+          <a:srcRect/>
+          <a:stretch>
+            <a:fillRect/>
+          </a:stretch>
+        </p:blipFill>
+        <p:spPr bwMode="auto">
+          <a:xfrm>
+            <a:off x="8278905" y="3861994"/>
+            <a:ext cx="3288895" cy="1698364"/>
+          </a:xfrm>
+          <a:prstGeom prst="rect">
+            <a:avLst/>
+          </a:prstGeom>
+          <a:noFill/>
+          <a:extLst>
+            <a:ext uri="{909E8E84-426E-40DD-AFC4-6F175D3DCCD1}">
+              <a14:hiddenFill xmlns:a14="http://schemas.microsoft.com/office/drawing/2010/main">
+                <a:solidFill>
+                  <a:srgbClr val="FFFFFF"/>
+                </a:solidFill>
+              </a14:hiddenFill>
+            </a:ext>
+          </a:extLst>
+        </p:spPr>
+      </p:pic>
+    </p:spTree>
+    <p:extLst>
+      <p:ext uri="{BB962C8B-B14F-4D97-AF65-F5344CB8AC3E}">
+        <p14:creationId xmlns:p14="http://schemas.microsoft.com/office/powerpoint/2010/main" val="2631489646"/>
+      </p:ext>
+    </p:extLst>
+  </p:cSld>
+  <p:clrMapOvr>
+    <a:masterClrMapping/>
+  </p:clrMapOvr>
+</p:sld>
+</file>
+
+<file path=ppt/slides/slide5.xml><?xml version="1.0" encoding="utf-8"?>
+<p:sld xmlns:a="http://schemas.openxmlformats.org/drawingml/2006/main" xmlns:r="http://schemas.openxmlformats.org/officeDocument/2006/relationships" xmlns:p="http://schemas.openxmlformats.org/presentationml/2006/main">
+  <p:cSld>
+    <p:spTree>
+      <p:nvGrpSpPr>
+        <p:cNvPr id="1" name=""/>
+        <p:cNvGrpSpPr/>
+        <p:nvPr/>
+      </p:nvGrpSpPr>
+      <p:grpSpPr>
+        <a:xfrm>
+          <a:off x="0" y="0"/>
+          <a:ext cx="0" cy="0"/>
+          <a:chOff x="0" y="0"/>
+          <a:chExt cx="0" cy="0"/>
+        </a:xfrm>
+      </p:grpSpPr>
+      <p:sp>
+        <p:nvSpPr>
+          <p:cNvPr id="2" name="Title 1">
+            <a:extLst>
+              <a:ext uri="{FF2B5EF4-FFF2-40B4-BE49-F238E27FC236}">
+                <a16:creationId xmlns:a16="http://schemas.microsoft.com/office/drawing/2014/main" id="{E8BC7563-3D06-1D22-884F-343BFBD71988}"/>
+              </a:ext>
+            </a:extLst>
+          </p:cNvPr>
+          <p:cNvSpPr>
+            <a:spLocks noGrp="1"/>
+          </p:cNvSpPr>
+          <p:nvPr>
+            <p:ph type="title"/>
+          </p:nvPr>
+        </p:nvSpPr>
+        <p:spPr/>
+        <p:txBody>
+          <a:bodyPr/>
+          <a:lstStyle/>
+          <a:p>
+            <a:r>
+              <a:rPr lang="en-US" dirty="0"/>
+              <a:t>D</a:t>
+            </a:r>
+            <a:r>
+              <a:rPr lang="en-CN" dirty="0"/>
+              <a:t>elayed reward</a:t>
+            </a:r>
+          </a:p>
+        </p:txBody>
+      </p:sp>
+      <p:sp>
+        <p:nvSpPr>
+          <p:cNvPr id="3" name="Content Placeholder 2">
+            <a:extLst>
+              <a:ext uri="{FF2B5EF4-FFF2-40B4-BE49-F238E27FC236}">
+                <a16:creationId xmlns:a16="http://schemas.microsoft.com/office/drawing/2014/main" id="{1ED32F8B-419F-F83E-41E4-6D055340D265}"/>
+              </a:ext>
+            </a:extLst>
+          </p:cNvPr>
+          <p:cNvSpPr>
+            <a:spLocks noGrp="1"/>
+          </p:cNvSpPr>
+          <p:nvPr>
+            <p:ph idx="1"/>
+          </p:nvPr>
+        </p:nvSpPr>
+        <p:spPr/>
+        <p:txBody>
+          <a:bodyPr/>
+          <a:lstStyle/>
+          <a:p>
+            <a:endParaRPr lang="en-CN" dirty="0"/>
+          </a:p>
+        </p:txBody>
+      </p:sp>
+      <p:pic>
+        <p:nvPicPr>
+          <p:cNvPr id="2054" name="Picture 6">
+            <a:extLst>
+              <a:ext uri="{FF2B5EF4-FFF2-40B4-BE49-F238E27FC236}">
+                <a16:creationId xmlns:a16="http://schemas.microsoft.com/office/drawing/2014/main" id="{C6370138-2B7B-A4AD-43B7-E862DD031E2E}"/>
+              </a:ext>
+            </a:extLst>
+          </p:cNvPr>
+          <p:cNvPicPr>
+            <a:picLocks noChangeAspect="1" noChangeArrowheads="1"/>
+          </p:cNvPicPr>
+          <p:nvPr/>
+        </p:nvPicPr>
+        <p:blipFill>
+          <a:blip r:embed="rId2">
+            <a:extLst>
+              <a:ext uri="{28A0092B-C50C-407E-A947-70E740481C1C}">
+                <a14:useLocalDpi xmlns:a14="http://schemas.microsoft.com/office/drawing/2010/main" val="0"/>
+              </a:ext>
+            </a:extLst>
+          </a:blip>
+          <a:srcRect/>
+          <a:stretch>
+            <a:fillRect/>
+          </a:stretch>
+        </p:blipFill>
+        <p:spPr bwMode="auto">
+          <a:xfrm>
+            <a:off x="5918200" y="3319022"/>
+            <a:ext cx="5695950" cy="3538977"/>
+          </a:xfrm>
+          <a:prstGeom prst="rect">
+            <a:avLst/>
+          </a:prstGeom>
+          <a:noFill/>
+          <a:extLst>
+            <a:ext uri="{909E8E84-426E-40DD-AFC4-6F175D3DCCD1}">
+              <a14:hiddenFill xmlns:a14="http://schemas.microsoft.com/office/drawing/2010/main">
+                <a:solidFill>
+                  <a:srgbClr val="FFFFFF"/>
+                </a:solidFill>
+              </a14:hiddenFill>
+            </a:ext>
+          </a:extLst>
+        </p:spPr>
+      </p:pic>
+    </p:spTree>
+    <p:extLst>
+      <p:ext uri="{BB962C8B-B14F-4D97-AF65-F5344CB8AC3E}">
+        <p14:creationId xmlns:p14="http://schemas.microsoft.com/office/powerpoint/2010/main" val="3845031871"/>
+      </p:ext>
+    </p:extLst>
+  </p:cSld>
+  <p:clrMapOvr>
+    <a:masterClrMapping/>
+  </p:clrMapOvr>
+</p:sld>
+</file>
+
+<file path=ppt/slides/slide6.xml><?xml version="1.0" encoding="utf-8"?>
+<p:sld xmlns:a="http://schemas.openxmlformats.org/drawingml/2006/main" xmlns:r="http://schemas.openxmlformats.org/officeDocument/2006/relationships" xmlns:p="http://schemas.openxmlformats.org/presentationml/2006/main">
+  <p:cSld>
+    <p:spTree>
+      <p:nvGrpSpPr>
+        <p:cNvPr id="1" name=""/>
+        <p:cNvGrpSpPr/>
+        <p:nvPr/>
+      </p:nvGrpSpPr>
+      <p:grpSpPr>
+        <a:xfrm>
+          <a:off x="0" y="0"/>
+          <a:ext cx="0" cy="0"/>
+          <a:chOff x="0" y="0"/>
+          <a:chExt cx="0" cy="0"/>
+        </a:xfrm>
+      </p:grpSpPr>
+      <p:sp>
+        <p:nvSpPr>
+          <p:cNvPr id="2" name="Title 1">
+            <a:extLst>
+              <a:ext uri="{FF2B5EF4-FFF2-40B4-BE49-F238E27FC236}">
+                <a16:creationId xmlns:a16="http://schemas.microsoft.com/office/drawing/2014/main" id="{6E245F2C-3683-C329-B021-88FE941EA93D}"/>
+              </a:ext>
+            </a:extLst>
+          </p:cNvPr>
+          <p:cNvSpPr>
+            <a:spLocks noGrp="1"/>
+          </p:cNvSpPr>
+          <p:nvPr>
+            <p:ph type="title"/>
+          </p:nvPr>
+        </p:nvSpPr>
+        <p:spPr/>
+        <p:txBody>
+          <a:bodyPr/>
+          <a:lstStyle/>
+          <a:p>
+            <a:r>
+              <a:rPr lang="en-CN" dirty="0"/>
+              <a:t>YOLO for object detection</a:t>
+            </a:r>
+          </a:p>
+        </p:txBody>
+      </p:sp>
+      <p:sp>
+        <p:nvSpPr>
+          <p:cNvPr id="3" name="Content Placeholder 2">
+            <a:extLst>
+              <a:ext uri="{FF2B5EF4-FFF2-40B4-BE49-F238E27FC236}">
+                <a16:creationId xmlns:a16="http://schemas.microsoft.com/office/drawing/2014/main" id="{85EE7E6F-F9B5-2996-971B-2BCF7EE3B7FA}"/>
+              </a:ext>
+            </a:extLst>
+          </p:cNvPr>
+          <p:cNvSpPr>
+            <a:spLocks noGrp="1"/>
+          </p:cNvSpPr>
+          <p:nvPr>
+            <p:ph idx="1"/>
+          </p:nvPr>
+        </p:nvSpPr>
+        <p:spPr/>
+        <p:txBody>
+          <a:bodyPr/>
+          <a:lstStyle/>
+          <a:p>
+            <a:endParaRPr lang="en-CN"/>
+          </a:p>
+        </p:txBody>
+      </p:sp>
+    </p:spTree>
+    <p:extLst>
+      <p:ext uri="{BB962C8B-B14F-4D97-AF65-F5344CB8AC3E}">
+        <p14:creationId xmlns:p14="http://schemas.microsoft.com/office/powerpoint/2010/main" val="360538682"/>
       </p:ext>
     </p:extLst>
   </p:cSld>
